--- a/Later/Spring/5_Spring_Basic/12/Spring SetFactoryBean_create a concrete set collection class.pptx
+++ b/Later/Spring/5_Spring_Basic/12/Spring SetFactoryBean_create a concrete set collection class.pptx
@@ -193,7 +193,7 @@
           <a:p>
             <a:fld id="{62274EC6-3890-417B-9308-14EFBD00FA63}" type="datetimeFigureOut">
               <a:rPr lang="en-US" smtClean="0"/>
-              <a:t>3/7/2018</a:t>
+              <a:t>3/8/2018</a:t>
             </a:fld>
             <a:endParaRPr lang="en-US" dirty="0"/>
           </a:p>
@@ -821,7 +821,7 @@
             <a:fld id="{1D8BD707-D9CF-40AE-B4C6-C98DA3205C09}" type="datetimeFigureOut">
               <a:rPr lang="en-US" smtClean="0"/>
               <a:pPr/>
-              <a:t>3/7/2018</a:t>
+              <a:t>3/8/2018</a:t>
             </a:fld>
             <a:endParaRPr lang="en-US" dirty="0"/>
           </a:p>
@@ -993,7 +993,7 @@
             <a:fld id="{1D8BD707-D9CF-40AE-B4C6-C98DA3205C09}" type="datetimeFigureOut">
               <a:rPr lang="en-US" smtClean="0"/>
               <a:pPr/>
-              <a:t>3/7/2018</a:t>
+              <a:t>3/8/2018</a:t>
             </a:fld>
             <a:endParaRPr lang="en-US" dirty="0"/>
           </a:p>
@@ -1175,7 +1175,7 @@
             <a:fld id="{1D8BD707-D9CF-40AE-B4C6-C98DA3205C09}" type="datetimeFigureOut">
               <a:rPr lang="en-US" smtClean="0"/>
               <a:pPr/>
-              <a:t>3/7/2018</a:t>
+              <a:t>3/8/2018</a:t>
             </a:fld>
             <a:endParaRPr lang="en-US" dirty="0"/>
           </a:p>
@@ -1347,7 +1347,7 @@
             <a:fld id="{1D8BD707-D9CF-40AE-B4C6-C98DA3205C09}" type="datetimeFigureOut">
               <a:rPr lang="en-US" smtClean="0"/>
               <a:pPr/>
-              <a:t>3/7/2018</a:t>
+              <a:t>3/8/2018</a:t>
             </a:fld>
             <a:endParaRPr lang="en-US" dirty="0"/>
           </a:p>
@@ -1595,7 +1595,7 @@
             <a:fld id="{1D8BD707-D9CF-40AE-B4C6-C98DA3205C09}" type="datetimeFigureOut">
               <a:rPr lang="en-US" smtClean="0"/>
               <a:pPr/>
-              <a:t>3/7/2018</a:t>
+              <a:t>3/8/2018</a:t>
             </a:fld>
             <a:endParaRPr lang="en-US" dirty="0"/>
           </a:p>
@@ -1885,7 +1885,7 @@
             <a:fld id="{1D8BD707-D9CF-40AE-B4C6-C98DA3205C09}" type="datetimeFigureOut">
               <a:rPr lang="en-US" smtClean="0"/>
               <a:pPr/>
-              <a:t>3/7/2018</a:t>
+              <a:t>3/8/2018</a:t>
             </a:fld>
             <a:endParaRPr lang="en-US" dirty="0"/>
           </a:p>
@@ -2314,7 +2314,7 @@
             <a:fld id="{1D8BD707-D9CF-40AE-B4C6-C98DA3205C09}" type="datetimeFigureOut">
               <a:rPr lang="en-US" smtClean="0"/>
               <a:pPr/>
-              <a:t>3/7/2018</a:t>
+              <a:t>3/8/2018</a:t>
             </a:fld>
             <a:endParaRPr lang="en-US" dirty="0"/>
           </a:p>
@@ -2434,7 +2434,7 @@
             <a:fld id="{1D8BD707-D9CF-40AE-B4C6-C98DA3205C09}" type="datetimeFigureOut">
               <a:rPr lang="en-US" smtClean="0"/>
               <a:pPr/>
-              <a:t>3/7/2018</a:t>
+              <a:t>3/8/2018</a:t>
             </a:fld>
             <a:endParaRPr lang="en-US" dirty="0"/>
           </a:p>
@@ -2531,7 +2531,7 @@
             <a:fld id="{1D8BD707-D9CF-40AE-B4C6-C98DA3205C09}" type="datetimeFigureOut">
               <a:rPr lang="en-US" smtClean="0"/>
               <a:pPr/>
-              <a:t>3/7/2018</a:t>
+              <a:t>3/8/2018</a:t>
             </a:fld>
             <a:endParaRPr lang="en-US" dirty="0"/>
           </a:p>
@@ -2810,7 +2810,7 @@
             <a:fld id="{1D8BD707-D9CF-40AE-B4C6-C98DA3205C09}" type="datetimeFigureOut">
               <a:rPr lang="en-US" smtClean="0"/>
               <a:pPr/>
-              <a:t>3/7/2018</a:t>
+              <a:t>3/8/2018</a:t>
             </a:fld>
             <a:endParaRPr lang="en-US" dirty="0"/>
           </a:p>
@@ -3065,7 +3065,7 @@
             <a:fld id="{1D8BD707-D9CF-40AE-B4C6-C98DA3205C09}" type="datetimeFigureOut">
               <a:rPr lang="en-US" smtClean="0"/>
               <a:pPr/>
-              <a:t>3/7/2018</a:t>
+              <a:t>3/8/2018</a:t>
             </a:fld>
             <a:endParaRPr lang="en-US" dirty="0"/>
           </a:p>
@@ -3280,7 +3280,7 @@
             <a:fld id="{1D8BD707-D9CF-40AE-B4C6-C98DA3205C09}" type="datetimeFigureOut">
               <a:rPr lang="en-US" smtClean="0"/>
               <a:pPr/>
-              <a:t>3/7/2018</a:t>
+              <a:t>3/8/2018</a:t>
             </a:fld>
             <a:endParaRPr lang="en-US" dirty="0"/>
           </a:p>
@@ -3950,8 +3950,16 @@
           <a:p>
             <a:pPr algn="ctr"/>
             <a:r>
+              <a:rPr lang="en-US" sz="1200" dirty="0" err="1" smtClean="0"/>
+              <a:t>SetFactoryBean</a:t>
+            </a:r>
+            <a:r>
               <a:rPr lang="en-US" sz="1200" dirty="0" smtClean="0"/>
-              <a:t>SerFactoryBean to </a:t>
+              <a:t> </a:t>
+            </a:r>
+            <a:r>
+              <a:rPr lang="en-US" sz="1200" dirty="0" smtClean="0"/>
+              <a:t>to </a:t>
             </a:r>
             <a:r>
               <a:rPr lang="en-US" sz="1200" dirty="0"/>
@@ -4067,23 +4075,7 @@
             </a:r>
             <a:r>
               <a:rPr lang="en-US" sz="1200" dirty="0"/>
-              <a:t>(</a:t>
-            </a:r>
-            <a:r>
-              <a:rPr lang="en-US" sz="1200" dirty="0"/>
-              <a:t>HashSet</a:t>
-            </a:r>
-            <a:r>
-              <a:rPr lang="en-US" sz="1200" dirty="0"/>
-              <a:t> and </a:t>
-            </a:r>
-            <a:r>
-              <a:rPr lang="en-US" sz="1200" dirty="0"/>
-              <a:t>TreeSet</a:t>
-            </a:r>
-            <a:r>
-              <a:rPr lang="en-US" sz="1200" dirty="0"/>
-              <a:t>) in Spring’s bean configuration file</a:t>
+              <a:t>(HashSet and TreeSet) in Spring’s bean configuration file</a:t>
             </a:r>
             <a:r>
               <a:rPr lang="en-US" sz="1200" dirty="0" smtClean="0"/>
@@ -4105,27 +4097,11 @@
                   <a:srgbClr val="FF0000"/>
                 </a:solidFill>
               </a:rPr>
-              <a:t>SetFactoryBean</a:t>
-            </a:r>
-            <a:r>
-              <a:rPr lang="en-US" sz="1200" dirty="0">
-                <a:solidFill>
-                  <a:srgbClr val="FF0000"/>
-                </a:solidFill>
-              </a:rPr>
-              <a:t> </a:t>
+              <a:t>SetFactoryBean </a:t>
             </a:r>
             <a:r>
               <a:rPr lang="en-US" sz="1200" dirty="0"/>
-              <a:t>will instantiate an </a:t>
-            </a:r>
-            <a:r>
-              <a:rPr lang="en-US" sz="1200" dirty="0"/>
-              <a:t>HashSet</a:t>
-            </a:r>
-            <a:r>
-              <a:rPr lang="en-US" sz="1200" dirty="0"/>
-              <a:t> at runtime, and inject it into a bean </a:t>
+              <a:t>will instantiate an HashSet at runtime, and inject it into a bean </a:t>
             </a:r>
             <a:r>
               <a:rPr lang="en-US" sz="1200" dirty="0" smtClean="0"/>
@@ -4527,8 +4503,16 @@
           <a:p>
             <a:pPr algn="ctr"/>
             <a:r>
+              <a:rPr lang="en-US" sz="1200" dirty="0" err="1" smtClean="0"/>
+              <a:t>SetFactoryBean</a:t>
+            </a:r>
+            <a:r>
               <a:rPr lang="en-US" sz="1200" dirty="0" smtClean="0"/>
-              <a:t>SerFactoryBean to </a:t>
+              <a:t> </a:t>
+            </a:r>
+            <a:r>
+              <a:rPr lang="en-US" sz="1200" dirty="0" smtClean="0"/>
+              <a:t>to </a:t>
             </a:r>
             <a:r>
               <a:rPr lang="en-US" sz="1200" dirty="0"/>
